--- a/Diagrams.pptx
+++ b/Diagrams.pptx
@@ -1134,7 +1134,7 @@
           <a:p>
             <a:fld id="{6B13FC3B-4023-4BF1-B4B6-2F4FAF1CAC19}" type="datetimeFigureOut">
               <a:rPr lang="en-US" smtClean="0"/>
-              <a:t>2018/07/26</a:t>
+              <a:t>2018/08/01</a:t>
             </a:fld>
             <a:endParaRPr lang="en-US"/>
           </a:p>
@@ -1304,7 +1304,7 @@
           <a:p>
             <a:fld id="{6B13FC3B-4023-4BF1-B4B6-2F4FAF1CAC19}" type="datetimeFigureOut">
               <a:rPr lang="en-US" smtClean="0"/>
-              <a:t>2018/07/26</a:t>
+              <a:t>2018/08/01</a:t>
             </a:fld>
             <a:endParaRPr lang="en-US"/>
           </a:p>
@@ -1484,7 +1484,7 @@
           <a:p>
             <a:fld id="{6B13FC3B-4023-4BF1-B4B6-2F4FAF1CAC19}" type="datetimeFigureOut">
               <a:rPr lang="en-US" smtClean="0"/>
-              <a:t>2018/07/26</a:t>
+              <a:t>2018/08/01</a:t>
             </a:fld>
             <a:endParaRPr lang="en-US"/>
           </a:p>
@@ -1654,7 +1654,7 @@
           <a:p>
             <a:fld id="{6B13FC3B-4023-4BF1-B4B6-2F4FAF1CAC19}" type="datetimeFigureOut">
               <a:rPr lang="en-US" smtClean="0"/>
-              <a:t>2018/07/26</a:t>
+              <a:t>2018/08/01</a:t>
             </a:fld>
             <a:endParaRPr lang="en-US"/>
           </a:p>
@@ -1900,7 +1900,7 @@
           <a:p>
             <a:fld id="{6B13FC3B-4023-4BF1-B4B6-2F4FAF1CAC19}" type="datetimeFigureOut">
               <a:rPr lang="en-US" smtClean="0"/>
-              <a:t>2018/07/26</a:t>
+              <a:t>2018/08/01</a:t>
             </a:fld>
             <a:endParaRPr lang="en-US"/>
           </a:p>
@@ -2132,7 +2132,7 @@
           <a:p>
             <a:fld id="{6B13FC3B-4023-4BF1-B4B6-2F4FAF1CAC19}" type="datetimeFigureOut">
               <a:rPr lang="en-US" smtClean="0"/>
-              <a:t>2018/07/26</a:t>
+              <a:t>2018/08/01</a:t>
             </a:fld>
             <a:endParaRPr lang="en-US"/>
           </a:p>
@@ -2499,7 +2499,7 @@
           <a:p>
             <a:fld id="{6B13FC3B-4023-4BF1-B4B6-2F4FAF1CAC19}" type="datetimeFigureOut">
               <a:rPr lang="en-US" smtClean="0"/>
-              <a:t>2018/07/26</a:t>
+              <a:t>2018/08/01</a:t>
             </a:fld>
             <a:endParaRPr lang="en-US"/>
           </a:p>
@@ -2617,7 +2617,7 @@
           <a:p>
             <a:fld id="{6B13FC3B-4023-4BF1-B4B6-2F4FAF1CAC19}" type="datetimeFigureOut">
               <a:rPr lang="en-US" smtClean="0"/>
-              <a:t>2018/07/26</a:t>
+              <a:t>2018/08/01</a:t>
             </a:fld>
             <a:endParaRPr lang="en-US"/>
           </a:p>
@@ -2712,7 +2712,7 @@
           <a:p>
             <a:fld id="{6B13FC3B-4023-4BF1-B4B6-2F4FAF1CAC19}" type="datetimeFigureOut">
               <a:rPr lang="en-US" smtClean="0"/>
-              <a:t>2018/07/26</a:t>
+              <a:t>2018/08/01</a:t>
             </a:fld>
             <a:endParaRPr lang="en-US"/>
           </a:p>
@@ -2989,7 +2989,7 @@
           <a:p>
             <a:fld id="{6B13FC3B-4023-4BF1-B4B6-2F4FAF1CAC19}" type="datetimeFigureOut">
               <a:rPr lang="en-US" smtClean="0"/>
-              <a:t>2018/07/26</a:t>
+              <a:t>2018/08/01</a:t>
             </a:fld>
             <a:endParaRPr lang="en-US"/>
           </a:p>
@@ -3242,7 +3242,7 @@
           <a:p>
             <a:fld id="{6B13FC3B-4023-4BF1-B4B6-2F4FAF1CAC19}" type="datetimeFigureOut">
               <a:rPr lang="en-US" smtClean="0"/>
-              <a:t>2018/07/26</a:t>
+              <a:t>2018/08/01</a:t>
             </a:fld>
             <a:endParaRPr lang="en-US"/>
           </a:p>
@@ -3455,7 +3455,7 @@
           <a:p>
             <a:fld id="{6B13FC3B-4023-4BF1-B4B6-2F4FAF1CAC19}" type="datetimeFigureOut">
               <a:rPr lang="en-US" smtClean="0"/>
-              <a:t>2018/07/26</a:t>
+              <a:t>2018/08/01</a:t>
             </a:fld>
             <a:endParaRPr lang="en-US"/>
           </a:p>
@@ -3862,120 +3862,50 @@
       </p:grpSpPr>
       <p:pic>
         <p:nvPicPr>
+          <p:cNvPr id="20" name="Picture 19"/>
+          <p:cNvPicPr>
+            <a:picLocks noChangeAspect="1"/>
+          </p:cNvPicPr>
+          <p:nvPr/>
+        </p:nvPicPr>
+        <p:blipFill rotWithShape="1">
+          <a:blip r:embed="rId2"/>
+          <a:srcRect l="65262"/>
+          <a:stretch/>
+        </p:blipFill>
+        <p:spPr>
+          <a:xfrm>
+            <a:off x="5355771" y="819016"/>
+            <a:ext cx="4180378" cy="5219968"/>
+          </a:xfrm>
+          <a:prstGeom prst="rect">
+            <a:avLst/>
+          </a:prstGeom>
+        </p:spPr>
+      </p:pic>
+      <p:pic>
+        <p:nvPicPr>
           <p:cNvPr id="2" name="Picture 1"/>
           <p:cNvPicPr>
             <a:picLocks noChangeAspect="1"/>
           </p:cNvPicPr>
           <p:nvPr/>
         </p:nvPicPr>
-        <p:blipFill>
+        <p:blipFill rotWithShape="1">
           <a:blip r:embed="rId2"/>
-          <a:stretch>
-            <a:fillRect/>
-          </a:stretch>
+          <a:srcRect r="56151"/>
+          <a:stretch/>
         </p:blipFill>
         <p:spPr>
           <a:xfrm>
             <a:off x="79066" y="819016"/>
-            <a:ext cx="12033868" cy="5219968"/>
+            <a:ext cx="5276705" cy="5219968"/>
           </a:xfrm>
           <a:prstGeom prst="rect">
             <a:avLst/>
           </a:prstGeom>
         </p:spPr>
       </p:pic>
-      <p:sp>
-        <p:nvSpPr>
-          <p:cNvPr id="3" name="Rectangle 2"/>
-          <p:cNvSpPr/>
-          <p:nvPr/>
-        </p:nvSpPr>
-        <p:spPr>
-          <a:xfrm>
-            <a:off x="1378744" y="985838"/>
-            <a:ext cx="2264569" cy="728662"/>
-          </a:xfrm>
-          <a:prstGeom prst="rect">
-            <a:avLst/>
-          </a:prstGeom>
-          <a:solidFill>
-            <a:schemeClr val="bg2"/>
-          </a:solidFill>
-          <a:ln>
-            <a:noFill/>
-          </a:ln>
-        </p:spPr>
-        <p:style>
-          <a:lnRef idx="2">
-            <a:schemeClr val="accent1">
-              <a:shade val="50000"/>
-            </a:schemeClr>
-          </a:lnRef>
-          <a:fillRef idx="1">
-            <a:schemeClr val="accent1"/>
-          </a:fillRef>
-          <a:effectRef idx="0">
-            <a:schemeClr val="accent1"/>
-          </a:effectRef>
-          <a:fontRef idx="minor">
-            <a:schemeClr val="lt1"/>
-          </a:fontRef>
-        </p:style>
-        <p:txBody>
-          <a:bodyPr rtlCol="0" anchor="ctr"/>
-          <a:lstStyle/>
-          <a:p>
-            <a:pPr algn="ctr"/>
-            <a:endParaRPr lang="en-US"/>
-          </a:p>
-        </p:txBody>
-      </p:sp>
-      <p:sp>
-        <p:nvSpPr>
-          <p:cNvPr id="4" name="Rectangle 3"/>
-          <p:cNvSpPr/>
-          <p:nvPr/>
-        </p:nvSpPr>
-        <p:spPr>
-          <a:xfrm>
-            <a:off x="3095625" y="4852988"/>
-            <a:ext cx="2155031" cy="1185996"/>
-          </a:xfrm>
-          <a:prstGeom prst="rect">
-            <a:avLst/>
-          </a:prstGeom>
-          <a:solidFill>
-            <a:schemeClr val="bg2"/>
-          </a:solidFill>
-          <a:ln>
-            <a:noFill/>
-          </a:ln>
-        </p:spPr>
-        <p:style>
-          <a:lnRef idx="2">
-            <a:schemeClr val="accent1">
-              <a:shade val="50000"/>
-            </a:schemeClr>
-          </a:lnRef>
-          <a:fillRef idx="1">
-            <a:schemeClr val="accent1"/>
-          </a:fillRef>
-          <a:effectRef idx="0">
-            <a:schemeClr val="accent1"/>
-          </a:effectRef>
-          <a:fontRef idx="minor">
-            <a:schemeClr val="lt1"/>
-          </a:fontRef>
-        </p:style>
-        <p:txBody>
-          <a:bodyPr rtlCol="0" anchor="ctr"/>
-          <a:lstStyle/>
-          <a:p>
-            <a:pPr algn="ctr"/>
-            <a:endParaRPr lang="en-US"/>
-          </a:p>
-        </p:txBody>
-      </p:sp>
       <p:sp>
         <p:nvSpPr>
           <p:cNvPr id="5" name="TextBox 4"/>
@@ -3984,7 +3914,7 @@
         </p:nvSpPr>
         <p:spPr>
           <a:xfrm>
-            <a:off x="2165230" y="905773"/>
+            <a:off x="3533880" y="905773"/>
             <a:ext cx="818027" cy="307777"/>
           </a:xfrm>
           <a:prstGeom prst="rect">
@@ -4030,7 +3960,7 @@
         </p:nvSpPr>
         <p:spPr>
           <a:xfrm>
-            <a:off x="2165230" y="1156247"/>
+            <a:off x="3533880" y="1156247"/>
             <a:ext cx="818027" cy="307777"/>
           </a:xfrm>
           <a:prstGeom prst="rect">
@@ -4076,7 +4006,7 @@
         </p:nvSpPr>
         <p:spPr>
           <a:xfrm>
-            <a:off x="2165230" y="1406723"/>
+            <a:off x="3533880" y="1406723"/>
             <a:ext cx="818027" cy="307777"/>
           </a:xfrm>
           <a:prstGeom prst="rect">
@@ -4386,7 +4316,7 @@
         </p:nvSpPr>
         <p:spPr>
           <a:xfrm>
-            <a:off x="3533880" y="5292097"/>
+            <a:off x="5509097" y="5292097"/>
             <a:ext cx="1173805" cy="307777"/>
           </a:xfrm>
           <a:prstGeom prst="rect">
@@ -4420,7 +4350,7 @@
         </p:nvSpPr>
         <p:spPr>
           <a:xfrm>
-            <a:off x="7893032" y="3448678"/>
+            <a:off x="5435561" y="3448678"/>
             <a:ext cx="1516134" cy="307777"/>
           </a:xfrm>
           <a:prstGeom prst="rect">
@@ -4466,7 +4396,7 @@
         </p:nvSpPr>
         <p:spPr>
           <a:xfrm>
-            <a:off x="9374075" y="3448678"/>
+            <a:off x="6916604" y="3448678"/>
             <a:ext cx="1681315" cy="307777"/>
           </a:xfrm>
           <a:prstGeom prst="rect">
@@ -4512,7 +4442,7 @@
         </p:nvSpPr>
         <p:spPr>
           <a:xfrm>
-            <a:off x="10960391" y="3448678"/>
+            <a:off x="8502920" y="3448678"/>
             <a:ext cx="1681315" cy="307777"/>
           </a:xfrm>
           <a:prstGeom prst="rect">
@@ -4558,7 +4488,7 @@
         </p:nvSpPr>
         <p:spPr>
           <a:xfrm>
-            <a:off x="8060737" y="4436054"/>
+            <a:off x="5603266" y="4436054"/>
             <a:ext cx="1681315" cy="307777"/>
           </a:xfrm>
           <a:prstGeom prst="rect">
@@ -4604,7 +4534,7 @@
         </p:nvSpPr>
         <p:spPr>
           <a:xfrm>
-            <a:off x="9488380" y="4436054"/>
+            <a:off x="7030909" y="4436054"/>
             <a:ext cx="1681315" cy="307777"/>
           </a:xfrm>
           <a:prstGeom prst="rect">
@@ -12551,9 +12481,6 @@
               </a:rPr>
               <a:t>module</a:t>
             </a:r>
-            <a:endParaRPr lang="en-US" sz="1400" dirty="0" smtClean="0">
-              <a:latin typeface="Akzidenz-Grotesk Next Regular" panose="02000503000000020003" pitchFamily="50" charset="0"/>
-            </a:endParaRPr>
           </a:p>
         </p:txBody>
       </p:sp>
@@ -12641,13 +12568,7 @@
               <a:rPr lang="en-US" dirty="0" smtClean="0">
                 <a:latin typeface="Akzidenz-Grotesk Next Regular" panose="02000503000000020003" pitchFamily="50" charset="0"/>
               </a:rPr>
-              <a:t>0~5V </a:t>
-            </a:r>
-            <a:r>
-              <a:rPr lang="en-US" dirty="0" smtClean="0">
-                <a:latin typeface="Akzidenz-Grotesk Next Regular" panose="02000503000000020003" pitchFamily="50" charset="0"/>
-              </a:rPr>
-              <a:t>DC</a:t>
+              <a:t>0~5V DC</a:t>
             </a:r>
             <a:endParaRPr lang="en-US" dirty="0">
               <a:latin typeface="Akzidenz-Grotesk Next Regular" panose="02000503000000020003" pitchFamily="50" charset="0"/>
@@ -17878,9 +17799,6 @@
               </a:rPr>
               <a:t>MySQL Database</a:t>
             </a:r>
-            <a:endParaRPr lang="en-US" sz="1600" dirty="0" smtClean="0">
-              <a:latin typeface="Akzidenz-Grotesk Next Regular" panose="02000503000000020003" pitchFamily="50" charset="0"/>
-            </a:endParaRPr>
           </a:p>
         </p:txBody>
       </p:sp>
